--- a/04 Preferences Constraints and Choice.pptx
+++ b/04 Preferences Constraints and Choice.pptx
@@ -243,7 +243,7 @@
           <a:p>
             <a:fld id="{79D3FDCE-5E86-BC4B-8B6D-8D0603EBC1B4}" type="datetimeFigureOut">
               <a:rPr lang="en-US" smtClean="0"/>
-              <a:t>9/26/21</a:t>
+              <a:t>10/2/21</a:t>
             </a:fld>
             <a:endParaRPr lang="en-US"/>
           </a:p>
@@ -6587,7 +6587,7 @@
             <a:fld id="{CCBEB372-AF32-C642-9DDD-239D8704FBC0}" type="datetimeFigureOut">
               <a:rPr lang="en-US" smtClean="0"/>
               <a:pPr/>
-              <a:t>9/26/21</a:t>
+              <a:t>10/2/21</a:t>
             </a:fld>
             <a:endParaRPr lang="en-US" dirty="0"/>
           </a:p>
@@ -7167,7 +7167,11 @@
             </a:pPr>
             <a:r>
               <a:rPr lang="en-US" dirty="0"/>
-              <a:t>September 27, 2020</a:t>
+              <a:t>September 27</a:t>
+            </a:r>
+            <a:r>
+              <a:rPr lang="en-US"/>
+              <a:t>, 2021</a:t>
             </a:r>
             <a:endParaRPr dirty="0"/>
           </a:p>
